--- a/presentation/Presentation PPT.pptx
+++ b/presentation/Presentation PPT.pptx
@@ -4876,7 +4876,7 @@
                 <a:latin typeface="Segoe UI" panose="020B0502040204020203" pitchFamily="34" charset="0"/>
                 <a:cs typeface="Segoe UI" panose="020B0502040204020203" pitchFamily="34" charset="0"/>
               </a:rPr>
-              <a:t>Allows you to listen concentration music for focus.</a:t>
+              <a:t>allows you to listen concentration music for focus.</a:t>
             </a:r>
           </a:p>
           <a:p>
@@ -5728,7 +5728,7 @@
                 <a:latin typeface="Segoe UI" panose="020B0502040204020203" pitchFamily="34" charset="0"/>
                 <a:cs typeface="Segoe UI" panose="020B0502040204020203" pitchFamily="34" charset="0"/>
               </a:rPr>
-              <a:t>you will become more focused</a:t>
+              <a:t>you will become more focused.</a:t>
             </a:r>
             <a:endParaRPr lang="en-IN" sz="2400" dirty="0">
               <a:latin typeface="Segoe UI" panose="020B0502040204020203" pitchFamily="34" charset="0"/>
